--- a/PPT/Orca-Cloud-PPT.pptx
+++ b/PPT/Orca-Cloud-PPT.pptx
@@ -113,6 +113,11 @@
       </a:defRPr>
     </a:lvl9pPr>
   </p:defaultTextStyle>
+  <p:extLst>
+    <p:ext uri="{EFAFB233-063F-42B5-8137-9DF3F51BA10A}">
+      <p15:sldGuideLst xmlns:p15="http://schemas.microsoft.com/office/powerpoint/2012/main"/>
+    </p:ext>
+  </p:extLst>
 </p:presentation>
 </file>
 
@@ -126,20 +131,6 @@
     </p:extLst>
   </p:cmAuthor>
 </p:cmAuthorLst>
-</file>
-
-<file path=ppt/comments/comment1.xml><?xml version="1.0" encoding="utf-8"?>
-<p:cmLst xmlns:a="http://schemas.openxmlformats.org/drawingml/2006/main" xmlns:r="http://schemas.openxmlformats.org/officeDocument/2006/relationships" xmlns:p="http://schemas.openxmlformats.org/presentationml/2006/main">
-  <p:cm authorId="1" dt="2022-02-07T16:09:23.463" idx="1">
-    <p:pos x="10" y="10"/>
-    <p:text/>
-    <p:extLst>
-      <p:ext uri="{C676402C-5697-4E1C-873F-D02D1690AC5C}">
-        <p15:threadingInfo xmlns:p15="http://schemas.microsoft.com/office/powerpoint/2012/main" timeZoneBias="-540"/>
-      </p:ext>
-    </p:extLst>
-  </p:cm>
-</p:cmLst>
 </file>
 
 <file path=ppt/slideLayouts/slideLayout1.xml><?xml version="1.0" encoding="utf-8"?>
@@ -289,7 +280,7 @@
           <a:p>
             <a:fld id="{AC2882AB-187B-4E36-8A49-EEADDB6DDFC2}" type="datetimeFigureOut">
               <a:rPr lang="ko-KR" altLang="en-US" smtClean="0"/>
-              <a:t>2022-02-07</a:t>
+              <a:t>2022-02-11</a:t>
             </a:fld>
             <a:endParaRPr lang="ko-KR" altLang="en-US"/>
           </a:p>
@@ -487,7 +478,7 @@
           <a:p>
             <a:fld id="{AC2882AB-187B-4E36-8A49-EEADDB6DDFC2}" type="datetimeFigureOut">
               <a:rPr lang="ko-KR" altLang="en-US" smtClean="0"/>
-              <a:t>2022-02-07</a:t>
+              <a:t>2022-02-11</a:t>
             </a:fld>
             <a:endParaRPr lang="ko-KR" altLang="en-US"/>
           </a:p>
@@ -695,7 +686,7 @@
           <a:p>
             <a:fld id="{AC2882AB-187B-4E36-8A49-EEADDB6DDFC2}" type="datetimeFigureOut">
               <a:rPr lang="ko-KR" altLang="en-US" smtClean="0"/>
-              <a:t>2022-02-07</a:t>
+              <a:t>2022-02-11</a:t>
             </a:fld>
             <a:endParaRPr lang="ko-KR" altLang="en-US"/>
           </a:p>
@@ -893,7 +884,7 @@
           <a:p>
             <a:fld id="{AC2882AB-187B-4E36-8A49-EEADDB6DDFC2}" type="datetimeFigureOut">
               <a:rPr lang="ko-KR" altLang="en-US" smtClean="0"/>
-              <a:t>2022-02-07</a:t>
+              <a:t>2022-02-11</a:t>
             </a:fld>
             <a:endParaRPr lang="ko-KR" altLang="en-US"/>
           </a:p>
@@ -1168,7 +1159,7 @@
           <a:p>
             <a:fld id="{AC2882AB-187B-4E36-8A49-EEADDB6DDFC2}" type="datetimeFigureOut">
               <a:rPr lang="ko-KR" altLang="en-US" smtClean="0"/>
-              <a:t>2022-02-07</a:t>
+              <a:t>2022-02-11</a:t>
             </a:fld>
             <a:endParaRPr lang="ko-KR" altLang="en-US"/>
           </a:p>
@@ -1433,7 +1424,7 @@
           <a:p>
             <a:fld id="{AC2882AB-187B-4E36-8A49-EEADDB6DDFC2}" type="datetimeFigureOut">
               <a:rPr lang="ko-KR" altLang="en-US" smtClean="0"/>
-              <a:t>2022-02-07</a:t>
+              <a:t>2022-02-11</a:t>
             </a:fld>
             <a:endParaRPr lang="ko-KR" altLang="en-US"/>
           </a:p>
@@ -1845,7 +1836,7 @@
           <a:p>
             <a:fld id="{AC2882AB-187B-4E36-8A49-EEADDB6DDFC2}" type="datetimeFigureOut">
               <a:rPr lang="ko-KR" altLang="en-US" smtClean="0"/>
-              <a:t>2022-02-07</a:t>
+              <a:t>2022-02-11</a:t>
             </a:fld>
             <a:endParaRPr lang="ko-KR" altLang="en-US"/>
           </a:p>
@@ -1986,7 +1977,7 @@
           <a:p>
             <a:fld id="{AC2882AB-187B-4E36-8A49-EEADDB6DDFC2}" type="datetimeFigureOut">
               <a:rPr lang="ko-KR" altLang="en-US" smtClean="0"/>
-              <a:t>2022-02-07</a:t>
+              <a:t>2022-02-11</a:t>
             </a:fld>
             <a:endParaRPr lang="ko-KR" altLang="en-US"/>
           </a:p>
@@ -2099,7 +2090,7 @@
           <a:p>
             <a:fld id="{AC2882AB-187B-4E36-8A49-EEADDB6DDFC2}" type="datetimeFigureOut">
               <a:rPr lang="ko-KR" altLang="en-US" smtClean="0"/>
-              <a:t>2022-02-07</a:t>
+              <a:t>2022-02-11</a:t>
             </a:fld>
             <a:endParaRPr lang="ko-KR" altLang="en-US"/>
           </a:p>
@@ -2410,7 +2401,7 @@
           <a:p>
             <a:fld id="{AC2882AB-187B-4E36-8A49-EEADDB6DDFC2}" type="datetimeFigureOut">
               <a:rPr lang="ko-KR" altLang="en-US" smtClean="0"/>
-              <a:t>2022-02-07</a:t>
+              <a:t>2022-02-11</a:t>
             </a:fld>
             <a:endParaRPr lang="ko-KR" altLang="en-US"/>
           </a:p>
@@ -2698,7 +2689,7 @@
           <a:p>
             <a:fld id="{AC2882AB-187B-4E36-8A49-EEADDB6DDFC2}" type="datetimeFigureOut">
               <a:rPr lang="ko-KR" altLang="en-US" smtClean="0"/>
-              <a:t>2022-02-07</a:t>
+              <a:t>2022-02-11</a:t>
             </a:fld>
             <a:endParaRPr lang="ko-KR" altLang="en-US"/>
           </a:p>
@@ -2939,7 +2930,7 @@
           <a:p>
             <a:fld id="{AC2882AB-187B-4E36-8A49-EEADDB6DDFC2}" type="datetimeFigureOut">
               <a:rPr lang="ko-KR" altLang="en-US" smtClean="0"/>
-              <a:t>2022-02-07</a:t>
+              <a:t>2022-02-11</a:t>
             </a:fld>
             <a:endParaRPr lang="ko-KR" altLang="en-US"/>
           </a:p>
@@ -3837,13 +3828,13 @@
   <p:clrMapOvr>
     <a:masterClrMapping/>
   </p:clrMapOvr>
-  <mc:AlternateContent xmlns:mc="http://schemas.openxmlformats.org/markup-compatibility/2006">
-    <mc:Choice xmlns:p14="http://schemas.microsoft.com/office/powerpoint/2010/main" Requires="p14">
+  <mc:AlternateContent xmlns:mc="http://schemas.openxmlformats.org/markup-compatibility/2006" xmlns:p14="http://schemas.microsoft.com/office/powerpoint/2010/main">
+    <mc:Choice Requires="p14">
       <p:transition spd="med" p14:dur="700">
         <p:fade/>
       </p:transition>
     </mc:Choice>
-    <mc:Fallback>
+    <mc:Fallback xmlns="">
       <p:transition spd="med">
         <p:fade/>
       </p:transition>
@@ -3926,13 +3917,13 @@
   <p:clrMapOvr>
     <a:masterClrMapping/>
   </p:clrMapOvr>
-  <mc:AlternateContent xmlns:mc="http://schemas.openxmlformats.org/markup-compatibility/2006">
-    <mc:Choice xmlns:p14="http://schemas.microsoft.com/office/powerpoint/2010/main" Requires="p14">
+  <mc:AlternateContent xmlns:mc="http://schemas.openxmlformats.org/markup-compatibility/2006" xmlns:p14="http://schemas.microsoft.com/office/powerpoint/2010/main">
+    <mc:Choice Requires="p14">
       <p:transition spd="slow" p14:dur="1300">
         <p14:pan dir="u"/>
       </p:transition>
     </mc:Choice>
-    <mc:Fallback>
+    <mc:Fallback xmlns="">
       <p:transition spd="slow">
         <p:fade/>
       </p:transition>
@@ -4687,13 +4678,13 @@
   <p:clrMapOvr>
     <a:masterClrMapping/>
   </p:clrMapOvr>
-  <mc:AlternateContent xmlns:mc="http://schemas.openxmlformats.org/markup-compatibility/2006">
-    <mc:Choice xmlns:p14="http://schemas.microsoft.com/office/powerpoint/2010/main" Requires="p14">
+  <mc:AlternateContent xmlns:mc="http://schemas.openxmlformats.org/markup-compatibility/2006" xmlns:p14="http://schemas.microsoft.com/office/powerpoint/2010/main">
+    <mc:Choice Requires="p14">
       <p:transition spd="slow" p14:dur="1300">
         <p14:pan/>
       </p:transition>
     </mc:Choice>
-    <mc:Fallback>
+    <mc:Fallback xmlns="">
       <p:transition spd="slow">
         <p:fade/>
       </p:transition>
@@ -4842,13 +4833,13 @@
   <p:clrMapOvr>
     <a:masterClrMapping/>
   </p:clrMapOvr>
-  <mc:AlternateContent xmlns:mc="http://schemas.openxmlformats.org/markup-compatibility/2006">
-    <mc:Choice xmlns:p159="http://schemas.microsoft.com/office/powerpoint/2015/09/main" Requires="p159">
+  <mc:AlternateContent xmlns:mc="http://schemas.openxmlformats.org/markup-compatibility/2006" xmlns:p159="http://schemas.microsoft.com/office/powerpoint/2015/09/main">
+    <mc:Choice Requires="p159">
       <p:transition xmlns:p14="http://schemas.microsoft.com/office/powerpoint/2010/main" spd="slow" p14:dur="2000">
         <p159:morph option="byObject"/>
       </p:transition>
     </mc:Choice>
-    <mc:Fallback>
+    <mc:Fallback xmlns="">
       <p:transition spd="slow">
         <p:fade/>
       </p:transition>
@@ -5023,13 +5014,13 @@
   <p:clrMapOvr>
     <a:masterClrMapping/>
   </p:clrMapOvr>
-  <mc:AlternateContent xmlns:mc="http://schemas.openxmlformats.org/markup-compatibility/2006">
-    <mc:Choice xmlns:p159="http://schemas.microsoft.com/office/powerpoint/2015/09/main" Requires="p159">
+  <mc:AlternateContent xmlns:mc="http://schemas.openxmlformats.org/markup-compatibility/2006" xmlns:p159="http://schemas.microsoft.com/office/powerpoint/2015/09/main">
+    <mc:Choice Requires="p159">
       <p:transition xmlns:p14="http://schemas.microsoft.com/office/powerpoint/2010/main" spd="slow" p14:dur="2000">
         <p159:morph option="byObject"/>
       </p:transition>
     </mc:Choice>
-    <mc:Fallback>
+    <mc:Fallback xmlns="">
       <p:transition spd="slow">
         <p:fade/>
       </p:transition>
@@ -5120,13 +5111,13 @@
   <p:clrMapOvr>
     <a:masterClrMapping/>
   </p:clrMapOvr>
-  <mc:AlternateContent xmlns:mc="http://schemas.openxmlformats.org/markup-compatibility/2006">
-    <mc:Choice xmlns:p14="http://schemas.microsoft.com/office/powerpoint/2010/main" Requires="p14">
+  <mc:AlternateContent xmlns:mc="http://schemas.openxmlformats.org/markup-compatibility/2006" xmlns:p14="http://schemas.microsoft.com/office/powerpoint/2010/main">
+    <mc:Choice Requires="p14">
       <p:transition spd="slow" p14:dur="1500">
         <p14:pan dir="u"/>
       </p:transition>
     </mc:Choice>
-    <mc:Fallback>
+    <mc:Fallback xmlns="">
       <p:transition spd="slow">
         <p:fade/>
       </p:transition>
@@ -5256,13 +5247,13 @@
   <p:clrMapOvr>
     <a:masterClrMapping/>
   </p:clrMapOvr>
-  <mc:AlternateContent xmlns:mc="http://schemas.openxmlformats.org/markup-compatibility/2006">
-    <mc:Choice xmlns:p159="http://schemas.microsoft.com/office/powerpoint/2015/09/main" Requires="p159">
+  <mc:AlternateContent xmlns:mc="http://schemas.openxmlformats.org/markup-compatibility/2006" xmlns:p159="http://schemas.microsoft.com/office/powerpoint/2015/09/main">
+    <mc:Choice Requires="p159">
       <p:transition xmlns:p14="http://schemas.microsoft.com/office/powerpoint/2010/main" spd="slow" p14:dur="2000">
         <p159:morph option="byObject"/>
       </p:transition>
     </mc:Choice>
-    <mc:Fallback>
+    <mc:Fallback xmlns="">
       <p:transition spd="slow">
         <p:fade/>
       </p:transition>
@@ -5439,13 +5430,13 @@
   <p:clrMapOvr>
     <a:masterClrMapping/>
   </p:clrMapOvr>
-  <mc:AlternateContent xmlns:mc="http://schemas.openxmlformats.org/markup-compatibility/2006">
-    <mc:Choice xmlns:p159="http://schemas.microsoft.com/office/powerpoint/2015/09/main" Requires="p159">
+  <mc:AlternateContent xmlns:mc="http://schemas.openxmlformats.org/markup-compatibility/2006" xmlns:p159="http://schemas.microsoft.com/office/powerpoint/2015/09/main">
+    <mc:Choice Requires="p159">
       <p:transition xmlns:p14="http://schemas.microsoft.com/office/powerpoint/2010/main" spd="slow" p14:dur="2000">
         <p159:morph option="byObject"/>
       </p:transition>
     </mc:Choice>
-    <mc:Fallback>
+    <mc:Fallback xmlns="">
       <p:transition spd="slow">
         <p:fade/>
       </p:transition>
@@ -5661,13 +5652,13 @@
   <p:clrMapOvr>
     <a:masterClrMapping/>
   </p:clrMapOvr>
-  <mc:AlternateContent xmlns:mc="http://schemas.openxmlformats.org/markup-compatibility/2006">
-    <mc:Choice xmlns:p159="http://schemas.microsoft.com/office/powerpoint/2015/09/main" Requires="p159">
+  <mc:AlternateContent xmlns:mc="http://schemas.openxmlformats.org/markup-compatibility/2006" xmlns:p159="http://schemas.microsoft.com/office/powerpoint/2015/09/main">
+    <mc:Choice Requires="p159">
       <p:transition xmlns:p14="http://schemas.microsoft.com/office/powerpoint/2010/main" spd="slow" p14:dur="2000">
         <p159:morph option="byObject"/>
       </p:transition>
     </mc:Choice>
-    <mc:Fallback>
+    <mc:Fallback xmlns="">
       <p:transition spd="slow">
         <p:fade/>
       </p:transition>
@@ -5930,13 +5921,13 @@
   <p:clrMapOvr>
     <a:masterClrMapping/>
   </p:clrMapOvr>
-  <mc:AlternateContent xmlns:mc="http://schemas.openxmlformats.org/markup-compatibility/2006">
-    <mc:Choice xmlns:p159="http://schemas.microsoft.com/office/powerpoint/2015/09/main" Requires="p159">
+  <mc:AlternateContent xmlns:mc="http://schemas.openxmlformats.org/markup-compatibility/2006" xmlns:p159="http://schemas.microsoft.com/office/powerpoint/2015/09/main">
+    <mc:Choice Requires="p159">
       <p:transition xmlns:p14="http://schemas.microsoft.com/office/powerpoint/2010/main" spd="slow" p14:dur="2000">
         <p159:morph option="byObject"/>
       </p:transition>
     </mc:Choice>
-    <mc:Fallback>
+    <mc:Fallback xmlns="">
       <p:transition spd="slow">
         <p:fade/>
       </p:transition>
